--- a/week7_pythonII/week7_python_chap9.pptx
+++ b/week7_pythonII/week7_python_chap9.pptx
@@ -5,7 +5,7 @@
     <p:sldMasterId id="2147483648" r:id="rId1"/>
   </p:sldMasterIdLst>
   <p:notesMasterIdLst>
-    <p:notesMasterId r:id="rId18"/>
+    <p:notesMasterId r:id="rId20"/>
   </p:notesMasterIdLst>
   <p:sldIdLst>
     <p:sldId id="323" r:id="rId2"/>
@@ -22,8 +22,10 @@
     <p:sldId id="328" r:id="rId13"/>
     <p:sldId id="334" r:id="rId14"/>
     <p:sldId id="317" r:id="rId15"/>
-    <p:sldId id="332" r:id="rId16"/>
-    <p:sldId id="329" r:id="rId17"/>
+    <p:sldId id="336" r:id="rId16"/>
+    <p:sldId id="332" r:id="rId17"/>
+    <p:sldId id="329" r:id="rId18"/>
+    <p:sldId id="335" r:id="rId19"/>
   </p:sldIdLst>
   <p:sldSz cx="12192000" cy="6858000"/>
   <p:notesSz cx="6858000" cy="9144000"/>
@@ -122,6 +124,11 @@
       </a:defRPr>
     </a:lvl9pPr>
   </p:defaultTextStyle>
+  <p:extLst>
+    <p:ext uri="{EFAFB233-063F-42B5-8137-9DF3F51BA10A}">
+      <p15:sldGuideLst xmlns:p15="http://schemas.microsoft.com/office/powerpoint/2012/main"/>
+    </p:ext>
+  </p:extLst>
 </p:presentation>
 </file>
 
@@ -207,7 +214,7 @@
           <a:p>
             <a:fld id="{976AFC6F-2922-2443-A2A7-8FC41FA455C3}" type="datetimeFigureOut">
               <a:rPr lang="en-US" smtClean="0"/>
-              <a:t>10/4/20</a:t>
+              <a:t>10/1/21</a:t>
             </a:fld>
             <a:endParaRPr lang="en-US"/>
           </a:p>
@@ -959,7 +966,7 @@
           <a:p>
             <a:fld id="{9F9D292F-4A4E-7444-8AE2-A048A0C01299}" type="slidenum">
               <a:rPr lang="en-US" smtClean="0"/>
-              <a:t>16</a:t>
+              <a:t>17</a:t>
             </a:fld>
             <a:endParaRPr lang="en-US"/>
           </a:p>
@@ -1125,7 +1132,7 @@
           <a:p>
             <a:fld id="{A4D148A6-5714-8649-8AB3-5088539201B5}" type="datetimeFigureOut">
               <a:rPr lang="en-US" smtClean="0"/>
-              <a:t>10/4/20</a:t>
+              <a:t>10/1/21</a:t>
             </a:fld>
             <a:endParaRPr lang="en-US"/>
           </a:p>
@@ -1323,7 +1330,7 @@
           <a:p>
             <a:fld id="{A4D148A6-5714-8649-8AB3-5088539201B5}" type="datetimeFigureOut">
               <a:rPr lang="en-US" smtClean="0"/>
-              <a:t>10/4/20</a:t>
+              <a:t>10/1/21</a:t>
             </a:fld>
             <a:endParaRPr lang="en-US"/>
           </a:p>
@@ -1531,7 +1538,7 @@
           <a:p>
             <a:fld id="{A4D148A6-5714-8649-8AB3-5088539201B5}" type="datetimeFigureOut">
               <a:rPr lang="en-US" smtClean="0"/>
-              <a:t>10/4/20</a:t>
+              <a:t>10/1/21</a:t>
             </a:fld>
             <a:endParaRPr lang="en-US"/>
           </a:p>
@@ -1729,7 +1736,7 @@
           <a:p>
             <a:fld id="{A4D148A6-5714-8649-8AB3-5088539201B5}" type="datetimeFigureOut">
               <a:rPr lang="en-US" smtClean="0"/>
-              <a:t>10/4/20</a:t>
+              <a:t>10/1/21</a:t>
             </a:fld>
             <a:endParaRPr lang="en-US"/>
           </a:p>
@@ -2004,7 +2011,7 @@
           <a:p>
             <a:fld id="{A4D148A6-5714-8649-8AB3-5088539201B5}" type="datetimeFigureOut">
               <a:rPr lang="en-US" smtClean="0"/>
-              <a:t>10/4/20</a:t>
+              <a:t>10/1/21</a:t>
             </a:fld>
             <a:endParaRPr lang="en-US"/>
           </a:p>
@@ -2269,7 +2276,7 @@
           <a:p>
             <a:fld id="{A4D148A6-5714-8649-8AB3-5088539201B5}" type="datetimeFigureOut">
               <a:rPr lang="en-US" smtClean="0"/>
-              <a:t>10/4/20</a:t>
+              <a:t>10/1/21</a:t>
             </a:fld>
             <a:endParaRPr lang="en-US"/>
           </a:p>
@@ -2681,7 +2688,7 @@
           <a:p>
             <a:fld id="{A4D148A6-5714-8649-8AB3-5088539201B5}" type="datetimeFigureOut">
               <a:rPr lang="en-US" smtClean="0"/>
-              <a:t>10/4/20</a:t>
+              <a:t>10/1/21</a:t>
             </a:fld>
             <a:endParaRPr lang="en-US"/>
           </a:p>
@@ -2822,7 +2829,7 @@
           <a:p>
             <a:fld id="{A4D148A6-5714-8649-8AB3-5088539201B5}" type="datetimeFigureOut">
               <a:rPr lang="en-US" smtClean="0"/>
-              <a:t>10/4/20</a:t>
+              <a:t>10/1/21</a:t>
             </a:fld>
             <a:endParaRPr lang="en-US"/>
           </a:p>
@@ -2935,7 +2942,7 @@
           <a:p>
             <a:fld id="{A4D148A6-5714-8649-8AB3-5088539201B5}" type="datetimeFigureOut">
               <a:rPr lang="en-US" smtClean="0"/>
-              <a:t>10/4/20</a:t>
+              <a:t>10/1/21</a:t>
             </a:fld>
             <a:endParaRPr lang="en-US"/>
           </a:p>
@@ -3246,7 +3253,7 @@
           <a:p>
             <a:fld id="{A4D148A6-5714-8649-8AB3-5088539201B5}" type="datetimeFigureOut">
               <a:rPr lang="en-US" smtClean="0"/>
-              <a:t>10/4/20</a:t>
+              <a:t>10/1/21</a:t>
             </a:fld>
             <a:endParaRPr lang="en-US"/>
           </a:p>
@@ -3534,7 +3541,7 @@
           <a:p>
             <a:fld id="{A4D148A6-5714-8649-8AB3-5088539201B5}" type="datetimeFigureOut">
               <a:rPr lang="en-US" smtClean="0"/>
-              <a:t>10/4/20</a:t>
+              <a:t>10/1/21</a:t>
             </a:fld>
             <a:endParaRPr lang="en-US"/>
           </a:p>
@@ -3775,7 +3782,7 @@
           <a:p>
             <a:fld id="{A4D148A6-5714-8649-8AB3-5088539201B5}" type="datetimeFigureOut">
               <a:rPr lang="en-US" smtClean="0"/>
-              <a:t>10/4/20</a:t>
+              <a:t>10/1/21</a:t>
             </a:fld>
             <a:endParaRPr lang="en-US"/>
           </a:p>
@@ -7405,231 +7412,292 @@
       </p:grpSpPr>
       <p:sp>
         <p:nvSpPr>
-          <p:cNvPr id="2" name="TextBox 1">
-            <a:extLst>
-              <a:ext uri="{FF2B5EF4-FFF2-40B4-BE49-F238E27FC236}">
-                <a16:creationId xmlns:a16="http://schemas.microsoft.com/office/drawing/2014/main" id="{4710A132-F479-7B4D-90DF-92D2042E73B8}"/>
-              </a:ext>
-            </a:extLst>
-          </p:cNvPr>
-          <p:cNvSpPr txBox="1"/>
+          <p:cNvPr id="2" name="Rectangle 1">
+            <a:extLst>
+              <a:ext uri="{FF2B5EF4-FFF2-40B4-BE49-F238E27FC236}">
+                <a16:creationId xmlns:a16="http://schemas.microsoft.com/office/drawing/2014/main" id="{CBC1D5C3-F1DB-104C-8012-1BECE3B4A5FD}"/>
+              </a:ext>
+            </a:extLst>
+          </p:cNvPr>
+          <p:cNvSpPr/>
           <p:nvPr/>
         </p:nvSpPr>
         <p:spPr>
           <a:xfrm>
-            <a:off x="710899" y="1254077"/>
-            <a:ext cx="10631054" cy="892552"/>
+            <a:off x="726830" y="1643969"/>
+            <a:ext cx="10351478" cy="3970318"/>
           </a:xfrm>
           <a:prstGeom prst="rect">
             <a:avLst/>
           </a:prstGeom>
-          <a:noFill/>
-        </p:spPr>
-        <p:txBody>
-          <a:bodyPr wrap="square" rtlCol="0">
+        </p:spPr>
+        <p:txBody>
+          <a:bodyPr wrap="square">
             <a:spAutoFit/>
           </a:bodyPr>
           <a:lstStyle/>
           <a:p>
             <a:r>
-              <a:rPr lang="en-US" sz="2600" dirty="0">
-                <a:latin typeface="Helvetica Light" panose="020B0403020202020204" pitchFamily="34" charset="0"/>
-              </a:rPr>
-              <a:t>1. Write the specified scripts in Chapter 9 (focusing on lists, we will 		come back to dictionaries later in more detail)</a:t>
-            </a:r>
-          </a:p>
-        </p:txBody>
-      </p:sp>
-      <p:sp>
-        <p:nvSpPr>
-          <p:cNvPr id="3" name="TextBox 2">
-            <a:extLst>
-              <a:ext uri="{FF2B5EF4-FFF2-40B4-BE49-F238E27FC236}">
-                <a16:creationId xmlns:a16="http://schemas.microsoft.com/office/drawing/2014/main" id="{83DEACCF-7E0D-8A4F-9D6C-B787233F3FA7}"/>
-              </a:ext>
-            </a:extLst>
-          </p:cNvPr>
-          <p:cNvSpPr txBox="1"/>
-          <p:nvPr/>
-        </p:nvSpPr>
-        <p:spPr>
-          <a:xfrm>
-            <a:off x="710899" y="2710177"/>
-            <a:ext cx="11460299" cy="492443"/>
-          </a:xfrm>
-          <a:prstGeom prst="rect">
-            <a:avLst/>
-          </a:prstGeom>
-          <a:noFill/>
-        </p:spPr>
-        <p:txBody>
-          <a:bodyPr wrap="square" rtlCol="0">
-            <a:spAutoFit/>
-          </a:bodyPr>
-          <a:lstStyle/>
-          <a:p>
-            <a:r>
-              <a:rPr lang="en-US" sz="2600" dirty="0">
-                <a:latin typeface="Helvetica Light" panose="020B0403020202020204" pitchFamily="34" charset="0"/>
-              </a:rPr>
-              <a:t>2. Review</a:t>
-            </a:r>
-            <a:r>
-              <a:rPr lang="en-US" sz="2600" dirty="0"/>
-              <a:t> </a:t>
-            </a:r>
-            <a:r>
-              <a:rPr lang="en-US" sz="2600" b="1" dirty="0">
-                <a:latin typeface="Helvetica Light" panose="020B0403020202020204" pitchFamily="34" charset="0"/>
-              </a:rPr>
-              <a:t>python_2_primer.md</a:t>
-            </a:r>
-            <a:r>
-              <a:rPr lang="en-US" sz="2600" dirty="0">
-                <a:latin typeface="Helvetica Light" panose="020B0403020202020204" pitchFamily="34" charset="0"/>
-              </a:rPr>
-              <a:t>, write scripts in </a:t>
-            </a:r>
-            <a:r>
-              <a:rPr lang="en-US" sz="2600" b="1" dirty="0" err="1">
-                <a:latin typeface="Helvetica Light" panose="020B0403020202020204" pitchFamily="34" charset="0"/>
-              </a:rPr>
-              <a:t>assignment_pythonII.md</a:t>
-            </a:r>
-            <a:r>
-              <a:rPr lang="en-US" sz="2600" b="1" dirty="0">
-                <a:latin typeface="Helvetica Light" panose="020B0403020202020204" pitchFamily="34" charset="0"/>
-              </a:rPr>
-              <a:t>  </a:t>
-            </a:r>
-          </a:p>
-        </p:txBody>
-      </p:sp>
-      <p:sp>
-        <p:nvSpPr>
-          <p:cNvPr id="4" name="TextBox 3">
-            <a:extLst>
-              <a:ext uri="{FF2B5EF4-FFF2-40B4-BE49-F238E27FC236}">
-                <a16:creationId xmlns:a16="http://schemas.microsoft.com/office/drawing/2014/main" id="{41A4EA31-EF2A-F045-A761-D6ECF013E8E0}"/>
-              </a:ext>
-            </a:extLst>
-          </p:cNvPr>
-          <p:cNvSpPr txBox="1"/>
-          <p:nvPr/>
-        </p:nvSpPr>
-        <p:spPr>
-          <a:xfrm>
-            <a:off x="710899" y="3970377"/>
-            <a:ext cx="11820117" cy="892552"/>
-          </a:xfrm>
-          <a:prstGeom prst="rect">
-            <a:avLst/>
-          </a:prstGeom>
-          <a:noFill/>
-        </p:spPr>
-        <p:txBody>
-          <a:bodyPr wrap="square" rtlCol="0">
-            <a:spAutoFit/>
-          </a:bodyPr>
-          <a:lstStyle/>
-          <a:p>
-            <a:r>
-              <a:rPr lang="en-US" sz="2600" dirty="0">
-                <a:latin typeface="Helvetica Light" panose="020B0403020202020204" pitchFamily="34" charset="0"/>
-              </a:rPr>
-              <a:t>3. Turn in </a:t>
-            </a:r>
-            <a:r>
-              <a:rPr lang="en-US" sz="2600" b="1" dirty="0">
-                <a:latin typeface="Helvetica Light" panose="020B0403020202020204" pitchFamily="34" charset="0"/>
-              </a:rPr>
-              <a:t>scripts 2 and 3 </a:t>
-            </a:r>
-            <a:r>
-              <a:rPr lang="en-US" sz="2600" dirty="0">
-                <a:latin typeface="Helvetica Light" panose="020B0403020202020204" pitchFamily="34" charset="0"/>
-              </a:rPr>
-              <a:t>from assignment. Short project description 1-pager due by Sunday (if you haven’t sent already).</a:t>
-            </a:r>
-          </a:p>
-        </p:txBody>
-      </p:sp>
-      <p:sp>
-        <p:nvSpPr>
-          <p:cNvPr id="9" name="TextBox 8">
-            <a:extLst>
-              <a:ext uri="{FF2B5EF4-FFF2-40B4-BE49-F238E27FC236}">
-                <a16:creationId xmlns:a16="http://schemas.microsoft.com/office/drawing/2014/main" id="{992ADA15-4743-BA44-8F7E-3D8654035256}"/>
-              </a:ext>
-            </a:extLst>
-          </p:cNvPr>
-          <p:cNvSpPr txBox="1"/>
-          <p:nvPr/>
-        </p:nvSpPr>
-        <p:spPr>
-          <a:xfrm>
-            <a:off x="710899" y="5501190"/>
-            <a:ext cx="11820117" cy="492443"/>
-          </a:xfrm>
-          <a:prstGeom prst="rect">
-            <a:avLst/>
-          </a:prstGeom>
-          <a:noFill/>
-        </p:spPr>
-        <p:txBody>
-          <a:bodyPr wrap="square" rtlCol="0">
-            <a:spAutoFit/>
-          </a:bodyPr>
-          <a:lstStyle/>
-          <a:p>
-            <a:r>
-              <a:rPr lang="en-US" sz="2600" b="1" dirty="0">
-                <a:latin typeface="Helvetica Light" panose="020B0403020202020204" pitchFamily="34" charset="0"/>
-              </a:rPr>
-              <a:t>Next Week</a:t>
-            </a:r>
-            <a:r>
-              <a:rPr lang="en-US" sz="2600" dirty="0">
-                <a:latin typeface="Helvetica Light" panose="020B0403020202020204" pitchFamily="34" charset="0"/>
-              </a:rPr>
-              <a:t>: working with files (chapter 10), controlling input output.</a:t>
-            </a:r>
-          </a:p>
-        </p:txBody>
-      </p:sp>
-      <p:sp>
-        <p:nvSpPr>
-          <p:cNvPr id="10" name="TextBox 9">
-            <a:extLst>
-              <a:ext uri="{FF2B5EF4-FFF2-40B4-BE49-F238E27FC236}">
-                <a16:creationId xmlns:a16="http://schemas.microsoft.com/office/drawing/2014/main" id="{F13B87F7-AD03-9E46-AD4E-2474F471165F}"/>
-              </a:ext>
-            </a:extLst>
-          </p:cNvPr>
-          <p:cNvSpPr txBox="1"/>
-          <p:nvPr/>
-        </p:nvSpPr>
-        <p:spPr>
-          <a:xfrm>
-            <a:off x="4110677" y="264203"/>
-            <a:ext cx="3948517" cy="600164"/>
-          </a:xfrm>
-          <a:prstGeom prst="rect">
-            <a:avLst/>
-          </a:prstGeom>
-          <a:noFill/>
-        </p:spPr>
-        <p:txBody>
-          <a:bodyPr wrap="none" rtlCol="0">
-            <a:spAutoFit/>
-          </a:bodyPr>
-          <a:lstStyle/>
-          <a:p>
-            <a:r>
-              <a:rPr lang="en-US" sz="3300" dirty="0">
-                <a:latin typeface="Helvetica Light" panose="020B0403020202020204" pitchFamily="34" charset="0"/>
-              </a:rPr>
-              <a:t>This week and next</a:t>
+              <a:rPr lang="en-US" sz="2800" dirty="0">
+                <a:latin typeface="Courier" pitchFamily="2" charset="0"/>
+              </a:rPr>
+              <a:t>List=[</a:t>
+            </a:r>
+            <a:r>
+              <a:rPr lang="en-US" sz="2800" dirty="0">
+                <a:solidFill>
+                  <a:srgbClr val="FF0000"/>
+                </a:solidFill>
+                <a:latin typeface="Courier" pitchFamily="2" charset="0"/>
+              </a:rPr>
+              <a:t>'1'</a:t>
+            </a:r>
+            <a:r>
+              <a:rPr lang="en-US" sz="2800" dirty="0">
+                <a:latin typeface="Courier" pitchFamily="2" charset="0"/>
+              </a:rPr>
+              <a:t>,</a:t>
+            </a:r>
+            <a:r>
+              <a:rPr lang="en-US" sz="2800" dirty="0">
+                <a:solidFill>
+                  <a:srgbClr val="FF0000"/>
+                </a:solidFill>
+                <a:latin typeface="Courier" pitchFamily="2" charset="0"/>
+              </a:rPr>
+              <a:t>'2'</a:t>
+            </a:r>
+            <a:r>
+              <a:rPr lang="en-US" sz="2800" dirty="0">
+                <a:latin typeface="Courier" pitchFamily="2" charset="0"/>
+              </a:rPr>
+              <a:t>,</a:t>
+            </a:r>
+            <a:r>
+              <a:rPr lang="en-US" sz="2800" dirty="0">
+                <a:solidFill>
+                  <a:srgbClr val="FF0000"/>
+                </a:solidFill>
+                <a:latin typeface="Courier" pitchFamily="2" charset="0"/>
+              </a:rPr>
+              <a:t>'3'</a:t>
+            </a:r>
+            <a:r>
+              <a:rPr lang="en-US" sz="2800" dirty="0">
+                <a:latin typeface="Courier" pitchFamily="2" charset="0"/>
+              </a:rPr>
+              <a:t>,</a:t>
+            </a:r>
+            <a:r>
+              <a:rPr lang="en-US" sz="2800" dirty="0">
+                <a:solidFill>
+                  <a:srgbClr val="FF0000"/>
+                </a:solidFill>
+                <a:latin typeface="Courier" pitchFamily="2" charset="0"/>
+              </a:rPr>
+              <a:t>'4'</a:t>
+            </a:r>
+            <a:r>
+              <a:rPr lang="en-US" sz="2800" dirty="0">
+                <a:latin typeface="Courier" pitchFamily="2" charset="0"/>
+              </a:rPr>
+              <a:t>,</a:t>
+            </a:r>
+            <a:r>
+              <a:rPr lang="en-US" sz="2800" dirty="0">
+                <a:solidFill>
+                  <a:srgbClr val="FF0000"/>
+                </a:solidFill>
+                <a:latin typeface="Courier" pitchFamily="2" charset="0"/>
+              </a:rPr>
+              <a:t>'5'</a:t>
+            </a:r>
+            <a:r>
+              <a:rPr lang="en-US" sz="2800" dirty="0">
+                <a:latin typeface="Courier" pitchFamily="2" charset="0"/>
+              </a:rPr>
+              <a:t>,</a:t>
+            </a:r>
+            <a:r>
+              <a:rPr lang="en-US" sz="2800" dirty="0">
+                <a:solidFill>
+                  <a:srgbClr val="FF0000"/>
+                </a:solidFill>
+                <a:latin typeface="Courier" pitchFamily="2" charset="0"/>
+              </a:rPr>
+              <a:t>'6'</a:t>
+            </a:r>
+            <a:r>
+              <a:rPr lang="en-US" sz="2800" dirty="0">
+                <a:latin typeface="Courier" pitchFamily="2" charset="0"/>
+              </a:rPr>
+              <a:t>,</a:t>
+            </a:r>
+            <a:r>
+              <a:rPr lang="en-US" sz="2800" dirty="0">
+                <a:solidFill>
+                  <a:srgbClr val="FF0000"/>
+                </a:solidFill>
+                <a:latin typeface="Courier" pitchFamily="2" charset="0"/>
+              </a:rPr>
+              <a:t>'7'</a:t>
+            </a:r>
+            <a:r>
+              <a:rPr lang="en-US" sz="2800" dirty="0">
+                <a:latin typeface="Courier" pitchFamily="2" charset="0"/>
+              </a:rPr>
+              <a:t>,</a:t>
+            </a:r>
+            <a:r>
+              <a:rPr lang="en-US" sz="2800" dirty="0">
+                <a:solidFill>
+                  <a:srgbClr val="FF0000"/>
+                </a:solidFill>
+                <a:latin typeface="Courier" pitchFamily="2" charset="0"/>
+              </a:rPr>
+              <a:t>'8'</a:t>
+            </a:r>
+            <a:r>
+              <a:rPr lang="en-US" sz="2800" dirty="0">
+                <a:latin typeface="Courier" pitchFamily="2" charset="0"/>
+              </a:rPr>
+              <a:t>,</a:t>
+            </a:r>
+            <a:r>
+              <a:rPr lang="en-US" sz="2800" dirty="0">
+                <a:solidFill>
+                  <a:srgbClr val="FF0000"/>
+                </a:solidFill>
+                <a:latin typeface="Courier" pitchFamily="2" charset="0"/>
+              </a:rPr>
+              <a:t>'9'</a:t>
+            </a:r>
+            <a:r>
+              <a:rPr lang="en-US" sz="2800" dirty="0">
+                <a:latin typeface="Courier" pitchFamily="2" charset="0"/>
+              </a:rPr>
+              <a:t>,</a:t>
+            </a:r>
+            <a:r>
+              <a:rPr lang="en-US" sz="2800" dirty="0">
+                <a:solidFill>
+                  <a:srgbClr val="FF0000"/>
+                </a:solidFill>
+                <a:latin typeface="Courier" pitchFamily="2" charset="0"/>
+              </a:rPr>
+              <a:t>'10'</a:t>
+            </a:r>
+            <a:r>
+              <a:rPr lang="en-US" sz="2800" dirty="0">
+                <a:latin typeface="Courier" pitchFamily="2" charset="0"/>
+              </a:rPr>
+              <a:t>] </a:t>
+            </a:r>
+          </a:p>
+          <a:p>
+            <a:endParaRPr lang="en-US" sz="2800" dirty="0">
+              <a:latin typeface="Courier" pitchFamily="2" charset="0"/>
+            </a:endParaRPr>
+          </a:p>
+          <a:p>
+            <a:r>
+              <a:rPr lang="en-US" sz="2800" dirty="0">
+                <a:latin typeface="Courier" pitchFamily="2" charset="0"/>
+              </a:rPr>
+              <a:t>CTR = 0 </a:t>
+            </a:r>
+          </a:p>
+          <a:p>
+            <a:endParaRPr lang="en-US" sz="2800" dirty="0">
+              <a:latin typeface="Courier" pitchFamily="2" charset="0"/>
+            </a:endParaRPr>
+          </a:p>
+          <a:p>
+            <a:r>
+              <a:rPr lang="en-US" sz="2800" dirty="0">
+                <a:solidFill>
+                  <a:srgbClr val="92D050"/>
+                </a:solidFill>
+                <a:latin typeface="Courier" pitchFamily="2" charset="0"/>
+              </a:rPr>
+              <a:t>for</a:t>
+            </a:r>
+            <a:r>
+              <a:rPr lang="en-US" sz="2800" dirty="0">
+                <a:latin typeface="Courier" pitchFamily="2" charset="0"/>
+              </a:rPr>
+              <a:t> Num </a:t>
+            </a:r>
+            <a:r>
+              <a:rPr lang="en-US" sz="2800" dirty="0">
+                <a:solidFill>
+                  <a:srgbClr val="AF76DE"/>
+                </a:solidFill>
+                <a:latin typeface="Courier" pitchFamily="2" charset="0"/>
+              </a:rPr>
+              <a:t>in</a:t>
+            </a:r>
+            <a:r>
+              <a:rPr lang="en-US" sz="2800" dirty="0">
+                <a:latin typeface="Courier" pitchFamily="2" charset="0"/>
+              </a:rPr>
+              <a:t> List:</a:t>
+            </a:r>
+          </a:p>
+          <a:p>
+            <a:r>
+              <a:rPr lang="en-US" sz="2800" dirty="0">
+                <a:latin typeface="Courier" pitchFamily="2" charset="0"/>
+              </a:rPr>
+              <a:t>	</a:t>
+            </a:r>
+          </a:p>
+          <a:p>
+            <a:r>
+              <a:rPr lang="en-US" sz="2800" dirty="0">
+                <a:latin typeface="Courier" pitchFamily="2" charset="0"/>
+              </a:rPr>
+              <a:t>	</a:t>
+            </a:r>
+            <a:r>
+              <a:rPr lang="en-US" sz="2800" dirty="0">
+                <a:solidFill>
+                  <a:srgbClr val="92D050"/>
+                </a:solidFill>
+                <a:latin typeface="Courier" pitchFamily="2" charset="0"/>
+              </a:rPr>
+              <a:t>print</a:t>
+            </a:r>
+            <a:r>
+              <a:rPr lang="en-US" sz="2800" dirty="0">
+                <a:solidFill>
+                  <a:srgbClr val="FF0000"/>
+                </a:solidFill>
+                <a:latin typeface="Courier" pitchFamily="2" charset="0"/>
+              </a:rPr>
+              <a:t>("List index is :"</a:t>
+            </a:r>
+            <a:r>
+              <a:rPr lang="en-US" sz="2800" dirty="0">
+                <a:latin typeface="Courier" pitchFamily="2" charset="0"/>
+              </a:rPr>
+              <a:t>, CTR) </a:t>
+            </a:r>
+          </a:p>
+          <a:p>
+            <a:r>
+              <a:rPr lang="en-US" sz="2800" dirty="0">
+                <a:latin typeface="Courier" pitchFamily="2" charset="0"/>
+              </a:rPr>
+              <a:t>	</a:t>
+            </a:r>
+          </a:p>
+          <a:p>
+            <a:r>
+              <a:rPr lang="en-US" sz="2800" dirty="0">
+                <a:latin typeface="Courier" pitchFamily="2" charset="0"/>
+              </a:rPr>
+              <a:t>	CTR += 1 </a:t>
             </a:r>
           </a:p>
         </p:txBody>
@@ -7637,7 +7705,7 @@
     </p:spTree>
     <p:extLst>
       <p:ext uri="{BB962C8B-B14F-4D97-AF65-F5344CB8AC3E}">
-        <p14:creationId xmlns:p14="http://schemas.microsoft.com/office/powerpoint/2010/main" val="753436531"/>
+        <p14:creationId xmlns:p14="http://schemas.microsoft.com/office/powerpoint/2010/main" val="2145875457"/>
       </p:ext>
     </p:extLst>
   </p:cSld>
@@ -7669,7 +7737,7 @@
           <p:cNvPr id="2" name="TextBox 1">
             <a:extLst>
               <a:ext uri="{FF2B5EF4-FFF2-40B4-BE49-F238E27FC236}">
-                <a16:creationId xmlns:a16="http://schemas.microsoft.com/office/drawing/2014/main" id="{18199E91-F4F2-674E-99F3-CF5D018C136C}"/>
+                <a16:creationId xmlns:a16="http://schemas.microsoft.com/office/drawing/2014/main" id="{4710A132-F479-7B4D-90DF-92D2042E73B8}"/>
               </a:ext>
             </a:extLst>
           </p:cNvPr>
@@ -7678,8 +7746,202 @@
         </p:nvSpPr>
         <p:spPr>
           <a:xfrm>
-            <a:off x="3299791" y="467140"/>
-            <a:ext cx="5120312" cy="553998"/>
+            <a:off x="710899" y="1254077"/>
+            <a:ext cx="10631054" cy="892552"/>
+          </a:xfrm>
+          <a:prstGeom prst="rect">
+            <a:avLst/>
+          </a:prstGeom>
+          <a:noFill/>
+        </p:spPr>
+        <p:txBody>
+          <a:bodyPr wrap="square" rtlCol="0">
+            <a:spAutoFit/>
+          </a:bodyPr>
+          <a:lstStyle/>
+          <a:p>
+            <a:r>
+              <a:rPr lang="en-US" sz="2600" dirty="0">
+                <a:latin typeface="Helvetica Light" panose="020B0403020202020204" pitchFamily="34" charset="0"/>
+              </a:rPr>
+              <a:t>1. Write the specified scripts in Chapter 9 (focusing on lists, we will 		come back to dictionaries later in more detail)</a:t>
+            </a:r>
+          </a:p>
+        </p:txBody>
+      </p:sp>
+      <p:sp>
+        <p:nvSpPr>
+          <p:cNvPr id="3" name="TextBox 2">
+            <a:extLst>
+              <a:ext uri="{FF2B5EF4-FFF2-40B4-BE49-F238E27FC236}">
+                <a16:creationId xmlns:a16="http://schemas.microsoft.com/office/drawing/2014/main" id="{83DEACCF-7E0D-8A4F-9D6C-B787233F3FA7}"/>
+              </a:ext>
+            </a:extLst>
+          </p:cNvPr>
+          <p:cNvSpPr txBox="1"/>
+          <p:nvPr/>
+        </p:nvSpPr>
+        <p:spPr>
+          <a:xfrm>
+            <a:off x="710899" y="2710177"/>
+            <a:ext cx="11460299" cy="492443"/>
+          </a:xfrm>
+          <a:prstGeom prst="rect">
+            <a:avLst/>
+          </a:prstGeom>
+          <a:noFill/>
+        </p:spPr>
+        <p:txBody>
+          <a:bodyPr wrap="square" rtlCol="0">
+            <a:spAutoFit/>
+          </a:bodyPr>
+          <a:lstStyle/>
+          <a:p>
+            <a:r>
+              <a:rPr lang="en-US" sz="2600" dirty="0">
+                <a:latin typeface="Helvetica Light" panose="020B0403020202020204" pitchFamily="34" charset="0"/>
+              </a:rPr>
+              <a:t>2. Review</a:t>
+            </a:r>
+            <a:r>
+              <a:rPr lang="en-US" sz="2600" dirty="0"/>
+              <a:t> </a:t>
+            </a:r>
+            <a:r>
+              <a:rPr lang="en-US" sz="2600" b="1" dirty="0">
+                <a:latin typeface="Helvetica Light" panose="020B0403020202020204" pitchFamily="34" charset="0"/>
+              </a:rPr>
+              <a:t>python_2_primer.md</a:t>
+            </a:r>
+            <a:r>
+              <a:rPr lang="en-US" sz="2600" dirty="0">
+                <a:latin typeface="Helvetica Light" panose="020B0403020202020204" pitchFamily="34" charset="0"/>
+              </a:rPr>
+              <a:t>, write scripts in </a:t>
+            </a:r>
+            <a:r>
+              <a:rPr lang="en-US" sz="2600" b="1" dirty="0" err="1">
+                <a:latin typeface="Helvetica Light" panose="020B0403020202020204" pitchFamily="34" charset="0"/>
+              </a:rPr>
+              <a:t>assignment_pythonII.md</a:t>
+            </a:r>
+            <a:r>
+              <a:rPr lang="en-US" sz="2600" b="1" dirty="0">
+                <a:latin typeface="Helvetica Light" panose="020B0403020202020204" pitchFamily="34" charset="0"/>
+              </a:rPr>
+              <a:t>  </a:t>
+            </a:r>
+          </a:p>
+        </p:txBody>
+      </p:sp>
+      <p:sp>
+        <p:nvSpPr>
+          <p:cNvPr id="4" name="TextBox 3">
+            <a:extLst>
+              <a:ext uri="{FF2B5EF4-FFF2-40B4-BE49-F238E27FC236}">
+                <a16:creationId xmlns:a16="http://schemas.microsoft.com/office/drawing/2014/main" id="{41A4EA31-EF2A-F045-A761-D6ECF013E8E0}"/>
+              </a:ext>
+            </a:extLst>
+          </p:cNvPr>
+          <p:cNvSpPr txBox="1"/>
+          <p:nvPr/>
+        </p:nvSpPr>
+        <p:spPr>
+          <a:xfrm>
+            <a:off x="710899" y="3970377"/>
+            <a:ext cx="11820117" cy="892552"/>
+          </a:xfrm>
+          <a:prstGeom prst="rect">
+            <a:avLst/>
+          </a:prstGeom>
+          <a:noFill/>
+        </p:spPr>
+        <p:txBody>
+          <a:bodyPr wrap="square" rtlCol="0">
+            <a:spAutoFit/>
+          </a:bodyPr>
+          <a:lstStyle/>
+          <a:p>
+            <a:r>
+              <a:rPr lang="en-US" sz="2600" dirty="0">
+                <a:latin typeface="Helvetica Light" panose="020B0403020202020204" pitchFamily="34" charset="0"/>
+              </a:rPr>
+              <a:t>3. Turn in </a:t>
+            </a:r>
+            <a:r>
+              <a:rPr lang="en-US" sz="2600" b="1" dirty="0">
+                <a:latin typeface="Helvetica Light" panose="020B0403020202020204" pitchFamily="34" charset="0"/>
+              </a:rPr>
+              <a:t>scripts 2 and 3 </a:t>
+            </a:r>
+            <a:r>
+              <a:rPr lang="en-US" sz="2600" dirty="0">
+                <a:latin typeface="Helvetica Light" panose="020B0403020202020204" pitchFamily="34" charset="0"/>
+              </a:rPr>
+              <a:t>from assignment. Short project description 1-pager due by Sunday (if you haven’t sent already).</a:t>
+            </a:r>
+          </a:p>
+        </p:txBody>
+      </p:sp>
+      <p:sp>
+        <p:nvSpPr>
+          <p:cNvPr id="9" name="TextBox 8">
+            <a:extLst>
+              <a:ext uri="{FF2B5EF4-FFF2-40B4-BE49-F238E27FC236}">
+                <a16:creationId xmlns:a16="http://schemas.microsoft.com/office/drawing/2014/main" id="{992ADA15-4743-BA44-8F7E-3D8654035256}"/>
+              </a:ext>
+            </a:extLst>
+          </p:cNvPr>
+          <p:cNvSpPr txBox="1"/>
+          <p:nvPr/>
+        </p:nvSpPr>
+        <p:spPr>
+          <a:xfrm>
+            <a:off x="710899" y="5501190"/>
+            <a:ext cx="11820117" cy="492443"/>
+          </a:xfrm>
+          <a:prstGeom prst="rect">
+            <a:avLst/>
+          </a:prstGeom>
+          <a:noFill/>
+        </p:spPr>
+        <p:txBody>
+          <a:bodyPr wrap="square" rtlCol="0">
+            <a:spAutoFit/>
+          </a:bodyPr>
+          <a:lstStyle/>
+          <a:p>
+            <a:r>
+              <a:rPr lang="en-US" sz="2600" b="1" dirty="0">
+                <a:latin typeface="Helvetica Light" panose="020B0403020202020204" pitchFamily="34" charset="0"/>
+              </a:rPr>
+              <a:t>Next Week</a:t>
+            </a:r>
+            <a:r>
+              <a:rPr lang="en-US" sz="2600" dirty="0">
+                <a:latin typeface="Helvetica Light" panose="020B0403020202020204" pitchFamily="34" charset="0"/>
+              </a:rPr>
+              <a:t>: working with files (chapter 10), controlling input output.</a:t>
+            </a:r>
+          </a:p>
+        </p:txBody>
+      </p:sp>
+      <p:sp>
+        <p:nvSpPr>
+          <p:cNvPr id="10" name="TextBox 9">
+            <a:extLst>
+              <a:ext uri="{FF2B5EF4-FFF2-40B4-BE49-F238E27FC236}">
+                <a16:creationId xmlns:a16="http://schemas.microsoft.com/office/drawing/2014/main" id="{F13B87F7-AD03-9E46-AD4E-2474F471165F}"/>
+              </a:ext>
+            </a:extLst>
+          </p:cNvPr>
+          <p:cNvSpPr txBox="1"/>
+          <p:nvPr/>
+        </p:nvSpPr>
+        <p:spPr>
+          <a:xfrm>
+            <a:off x="4110677" y="264203"/>
+            <a:ext cx="3948517" cy="600164"/>
           </a:xfrm>
           <a:prstGeom prst="rect">
             <a:avLst/>
@@ -7693,6 +7955,73 @@
           <a:lstStyle/>
           <a:p>
             <a:r>
+              <a:rPr lang="en-US" sz="3300" dirty="0">
+                <a:latin typeface="Helvetica Light" panose="020B0403020202020204" pitchFamily="34" charset="0"/>
+              </a:rPr>
+              <a:t>This week and next</a:t>
+            </a:r>
+          </a:p>
+        </p:txBody>
+      </p:sp>
+    </p:spTree>
+    <p:extLst>
+      <p:ext uri="{BB962C8B-B14F-4D97-AF65-F5344CB8AC3E}">
+        <p14:creationId xmlns:p14="http://schemas.microsoft.com/office/powerpoint/2010/main" val="753436531"/>
+      </p:ext>
+    </p:extLst>
+  </p:cSld>
+  <p:clrMapOvr>
+    <a:masterClrMapping/>
+  </p:clrMapOvr>
+</p:sld>
+</file>
+
+<file path=ppt/slides/slide17.xml><?xml version="1.0" encoding="utf-8"?>
+<p:sld xmlns:a="http://schemas.openxmlformats.org/drawingml/2006/main" xmlns:r="http://schemas.openxmlformats.org/officeDocument/2006/relationships" xmlns:p="http://schemas.openxmlformats.org/presentationml/2006/main">
+  <p:cSld>
+    <p:spTree>
+      <p:nvGrpSpPr>
+        <p:cNvPr id="1" name=""/>
+        <p:cNvGrpSpPr/>
+        <p:nvPr/>
+      </p:nvGrpSpPr>
+      <p:grpSpPr>
+        <a:xfrm>
+          <a:off x="0" y="0"/>
+          <a:ext cx="0" cy="0"/>
+          <a:chOff x="0" y="0"/>
+          <a:chExt cx="0" cy="0"/>
+        </a:xfrm>
+      </p:grpSpPr>
+      <p:sp>
+        <p:nvSpPr>
+          <p:cNvPr id="2" name="TextBox 1">
+            <a:extLst>
+              <a:ext uri="{FF2B5EF4-FFF2-40B4-BE49-F238E27FC236}">
+                <a16:creationId xmlns:a16="http://schemas.microsoft.com/office/drawing/2014/main" id="{18199E91-F4F2-674E-99F3-CF5D018C136C}"/>
+              </a:ext>
+            </a:extLst>
+          </p:cNvPr>
+          <p:cNvSpPr txBox="1"/>
+          <p:nvPr/>
+        </p:nvSpPr>
+        <p:spPr>
+          <a:xfrm>
+            <a:off x="3299791" y="467140"/>
+            <a:ext cx="5120312" cy="553998"/>
+          </a:xfrm>
+          <a:prstGeom prst="rect">
+            <a:avLst/>
+          </a:prstGeom>
+          <a:noFill/>
+        </p:spPr>
+        <p:txBody>
+          <a:bodyPr wrap="none" rtlCol="0">
+            <a:spAutoFit/>
+          </a:bodyPr>
+          <a:lstStyle/>
+          <a:p>
+            <a:r>
               <a:rPr lang="en-US" sz="3000" b="1" dirty="0">
                 <a:latin typeface="Helvetica Light" panose="020B0403020202020204" pitchFamily="34" charset="0"/>
               </a:rPr>
@@ -7736,7 +8065,13 @@
               <a:rPr lang="en-US" sz="2400" dirty="0">
                 <a:latin typeface="Helvetica Light" panose="020B0403020202020204" pitchFamily="34" charset="0"/>
               </a:rPr>
-              <a:t>You will need to increment some sort of counter in order to track number of iterations through the loop. See last example in the python_2_primer.md</a:t>
+              <a:t>You will need to increment some sort of counter in order to track number of iterations through the loop. See last examples in the </a:t>
+            </a:r>
+            <a:r>
+              <a:rPr lang="en-US" sz="2400" b="1" dirty="0">
+                <a:latin typeface="Helvetica Light" panose="020B0403020202020204" pitchFamily="34" charset="0"/>
+              </a:rPr>
+              <a:t>python_2_primer.md</a:t>
             </a:r>
           </a:p>
           <a:p>
@@ -7781,7 +8116,19 @@
               <a:rPr lang="en-US" sz="2600" dirty="0">
                 <a:latin typeface="Helvetica Light" panose="020B0403020202020204" pitchFamily="34" charset="0"/>
               </a:rPr>
-              <a:t>2. The modulo operator % returns the remainder of division. You can use 	this in with if to determine if a value is even or odd. For example:</a:t>
+              <a:t>2. The modulo operator </a:t>
+            </a:r>
+            <a:r>
+              <a:rPr lang="en-US" sz="2600" b="1" dirty="0">
+                <a:latin typeface="Helvetica Light" panose="020B0403020202020204" pitchFamily="34" charset="0"/>
+              </a:rPr>
+              <a:t>%</a:t>
+            </a:r>
+            <a:r>
+              <a:rPr lang="en-US" sz="2600" dirty="0">
+                <a:latin typeface="Helvetica Light" panose="020B0403020202020204" pitchFamily="34" charset="0"/>
+              </a:rPr>
+              <a:t> returns the remainder of division. You can use 	this in with if to determine if a value is even or odd. For example:</a:t>
             </a:r>
           </a:p>
           <a:p>
@@ -7877,6 +8224,367 @@
     <p:extLst>
       <p:ext uri="{BB962C8B-B14F-4D97-AF65-F5344CB8AC3E}">
         <p14:creationId xmlns:p14="http://schemas.microsoft.com/office/powerpoint/2010/main" val="908860900"/>
+      </p:ext>
+    </p:extLst>
+  </p:cSld>
+  <p:clrMapOvr>
+    <a:masterClrMapping/>
+  </p:clrMapOvr>
+</p:sld>
+</file>
+
+<file path=ppt/slides/slide18.xml><?xml version="1.0" encoding="utf-8"?>
+<p:sld xmlns:a="http://schemas.openxmlformats.org/drawingml/2006/main" xmlns:r="http://schemas.openxmlformats.org/officeDocument/2006/relationships" xmlns:p="http://schemas.openxmlformats.org/presentationml/2006/main">
+  <p:cSld>
+    <p:spTree>
+      <p:nvGrpSpPr>
+        <p:cNvPr id="1" name=""/>
+        <p:cNvGrpSpPr/>
+        <p:nvPr/>
+      </p:nvGrpSpPr>
+      <p:grpSpPr>
+        <a:xfrm>
+          <a:off x="0" y="0"/>
+          <a:ext cx="0" cy="0"/>
+          <a:chOff x="0" y="0"/>
+          <a:chExt cx="0" cy="0"/>
+        </a:xfrm>
+      </p:grpSpPr>
+      <p:sp>
+        <p:nvSpPr>
+          <p:cNvPr id="2" name="TextBox 1">
+            <a:extLst>
+              <a:ext uri="{FF2B5EF4-FFF2-40B4-BE49-F238E27FC236}">
+                <a16:creationId xmlns:a16="http://schemas.microsoft.com/office/drawing/2014/main" id="{62CD9AA1-B15C-964F-9C8C-A4152926B85F}"/>
+              </a:ext>
+            </a:extLst>
+          </p:cNvPr>
+          <p:cNvSpPr txBox="1"/>
+          <p:nvPr/>
+        </p:nvSpPr>
+        <p:spPr>
+          <a:xfrm>
+            <a:off x="1559169" y="1418492"/>
+            <a:ext cx="5724644" cy="5170646"/>
+          </a:xfrm>
+          <a:prstGeom prst="rect">
+            <a:avLst/>
+          </a:prstGeom>
+          <a:noFill/>
+        </p:spPr>
+        <p:txBody>
+          <a:bodyPr wrap="none" rtlCol="0">
+            <a:spAutoFit/>
+          </a:bodyPr>
+          <a:lstStyle/>
+          <a:p>
+            <a:r>
+              <a:rPr lang="en-US" sz="3000" dirty="0">
+                <a:latin typeface="Courier" pitchFamily="2" charset="0"/>
+              </a:rPr>
+              <a:t>﻿Num=</a:t>
+            </a:r>
+            <a:r>
+              <a:rPr lang="en-US" sz="3000" dirty="0">
+                <a:solidFill>
+                  <a:srgbClr val="92D050"/>
+                </a:solidFill>
+                <a:latin typeface="Courier" pitchFamily="2" charset="0"/>
+              </a:rPr>
+              <a:t>list</a:t>
+            </a:r>
+            <a:r>
+              <a:rPr lang="en-US" sz="3000" dirty="0">
+                <a:latin typeface="Courier" pitchFamily="2" charset="0"/>
+              </a:rPr>
+              <a:t>(</a:t>
+            </a:r>
+            <a:r>
+              <a:rPr lang="en-US" sz="3000" dirty="0">
+                <a:solidFill>
+                  <a:srgbClr val="92D050"/>
+                </a:solidFill>
+                <a:latin typeface="Courier" pitchFamily="2" charset="0"/>
+              </a:rPr>
+              <a:t>range</a:t>
+            </a:r>
+            <a:r>
+              <a:rPr lang="en-US" sz="3000" dirty="0">
+                <a:latin typeface="Courier" pitchFamily="2" charset="0"/>
+              </a:rPr>
+              <a:t>(0,100,3))</a:t>
+            </a:r>
+          </a:p>
+          <a:p>
+            <a:endParaRPr lang="en-US" sz="3000" dirty="0">
+              <a:latin typeface="Courier" pitchFamily="2" charset="0"/>
+            </a:endParaRPr>
+          </a:p>
+          <a:p>
+            <a:r>
+              <a:rPr lang="en-US" sz="3000" dirty="0">
+                <a:latin typeface="Courier" pitchFamily="2" charset="0"/>
+              </a:rPr>
+              <a:t>ctr=0</a:t>
+            </a:r>
+          </a:p>
+          <a:p>
+            <a:endParaRPr lang="en-US" sz="3000" dirty="0">
+              <a:latin typeface="Courier" pitchFamily="2" charset="0"/>
+            </a:endParaRPr>
+          </a:p>
+          <a:p>
+            <a:r>
+              <a:rPr lang="en-US" sz="3000" dirty="0">
+                <a:solidFill>
+                  <a:srgbClr val="92D050"/>
+                </a:solidFill>
+                <a:latin typeface="Courier" pitchFamily="2" charset="0"/>
+              </a:rPr>
+              <a:t>for</a:t>
+            </a:r>
+            <a:r>
+              <a:rPr lang="en-US" sz="3000" dirty="0">
+                <a:latin typeface="Courier" pitchFamily="2" charset="0"/>
+              </a:rPr>
+              <a:t> </a:t>
+            </a:r>
+            <a:r>
+              <a:rPr lang="en-US" sz="3000" dirty="0" err="1">
+                <a:latin typeface="Courier" pitchFamily="2" charset="0"/>
+              </a:rPr>
+              <a:t>i</a:t>
+            </a:r>
+            <a:r>
+              <a:rPr lang="en-US" sz="3000" dirty="0">
+                <a:latin typeface="Courier" pitchFamily="2" charset="0"/>
+              </a:rPr>
+              <a:t> </a:t>
+            </a:r>
+            <a:r>
+              <a:rPr lang="en-US" sz="3000" dirty="0">
+                <a:solidFill>
+                  <a:srgbClr val="AF76DE"/>
+                </a:solidFill>
+                <a:latin typeface="Courier" pitchFamily="2" charset="0"/>
+              </a:rPr>
+              <a:t>in</a:t>
+            </a:r>
+            <a:r>
+              <a:rPr lang="en-US" sz="3000" dirty="0">
+                <a:latin typeface="Courier" pitchFamily="2" charset="0"/>
+              </a:rPr>
+              <a:t> Num:</a:t>
+            </a:r>
+          </a:p>
+          <a:p>
+            <a:r>
+              <a:rPr lang="en-US" sz="3000" dirty="0">
+                <a:latin typeface="Courier" pitchFamily="2" charset="0"/>
+              </a:rPr>
+              <a:t>	ctr += 1</a:t>
+            </a:r>
+          </a:p>
+          <a:p>
+            <a:r>
+              <a:rPr lang="en-US" sz="3000" dirty="0">
+                <a:latin typeface="Courier" pitchFamily="2" charset="0"/>
+              </a:rPr>
+              <a:t>	</a:t>
+            </a:r>
+            <a:r>
+              <a:rPr lang="en-US" sz="3000" dirty="0">
+                <a:solidFill>
+                  <a:srgbClr val="92D050"/>
+                </a:solidFill>
+                <a:latin typeface="Courier" pitchFamily="2" charset="0"/>
+              </a:rPr>
+              <a:t>print</a:t>
+            </a:r>
+            <a:r>
+              <a:rPr lang="en-US" sz="3000" dirty="0">
+                <a:latin typeface="Courier" pitchFamily="2" charset="0"/>
+              </a:rPr>
+              <a:t>(ctr)</a:t>
+            </a:r>
+          </a:p>
+          <a:p>
+            <a:r>
+              <a:rPr lang="en-US" sz="3000" dirty="0">
+                <a:latin typeface="Courier" pitchFamily="2" charset="0"/>
+              </a:rPr>
+              <a:t>	﻿</a:t>
+            </a:r>
+            <a:r>
+              <a:rPr lang="en-US" sz="3000" dirty="0">
+                <a:solidFill>
+                  <a:srgbClr val="92D050"/>
+                </a:solidFill>
+                <a:latin typeface="Courier" pitchFamily="2" charset="0"/>
+              </a:rPr>
+              <a:t>if</a:t>
+            </a:r>
+            <a:r>
+              <a:rPr lang="en-US" sz="3000" dirty="0">
+                <a:latin typeface="Courier" pitchFamily="2" charset="0"/>
+              </a:rPr>
+              <a:t>(</a:t>
+            </a:r>
+            <a:r>
+              <a:rPr lang="en-US" sz="3000" dirty="0" err="1">
+                <a:latin typeface="Courier" pitchFamily="2" charset="0"/>
+              </a:rPr>
+              <a:t>i</a:t>
+            </a:r>
+            <a:r>
+              <a:rPr lang="en-US" sz="3000" dirty="0">
+                <a:latin typeface="Courier" pitchFamily="2" charset="0"/>
+              </a:rPr>
+              <a:t> % 2 == 0):</a:t>
+            </a:r>
+          </a:p>
+          <a:p>
+            <a:r>
+              <a:rPr lang="en-US" sz="3000" dirty="0">
+                <a:latin typeface="Courier" pitchFamily="2" charset="0"/>
+              </a:rPr>
+              <a:t>     	</a:t>
+            </a:r>
+            <a:r>
+              <a:rPr lang="en-US" sz="3000" dirty="0">
+                <a:solidFill>
+                  <a:srgbClr val="92D050"/>
+                </a:solidFill>
+                <a:latin typeface="Courier" pitchFamily="2" charset="0"/>
+              </a:rPr>
+              <a:t>print</a:t>
+            </a:r>
+            <a:r>
+              <a:rPr lang="en-US" sz="3000" dirty="0">
+                <a:latin typeface="Courier" pitchFamily="2" charset="0"/>
+              </a:rPr>
+              <a:t>(</a:t>
+            </a:r>
+            <a:r>
+              <a:rPr lang="en-US" sz="3000" dirty="0">
+                <a:solidFill>
+                  <a:srgbClr val="FF0000"/>
+                </a:solidFill>
+                <a:latin typeface="Courier" pitchFamily="2" charset="0"/>
+              </a:rPr>
+              <a:t>"even"</a:t>
+            </a:r>
+            <a:r>
+              <a:rPr lang="en-US" sz="3000" dirty="0">
+                <a:latin typeface="Courier" pitchFamily="2" charset="0"/>
+              </a:rPr>
+              <a:t>)</a:t>
+            </a:r>
+          </a:p>
+          <a:p>
+            <a:r>
+              <a:rPr lang="en-US" sz="3000" dirty="0">
+                <a:latin typeface="Courier" pitchFamily="2" charset="0"/>
+              </a:rPr>
+              <a:t>    </a:t>
+            </a:r>
+            <a:r>
+              <a:rPr lang="en-US" sz="3000" dirty="0">
+                <a:solidFill>
+                  <a:srgbClr val="92D050"/>
+                </a:solidFill>
+                <a:latin typeface="Courier" pitchFamily="2" charset="0"/>
+              </a:rPr>
+              <a:t>else</a:t>
+            </a:r>
+            <a:r>
+              <a:rPr lang="en-US" sz="3000" dirty="0">
+                <a:latin typeface="Courier" pitchFamily="2" charset="0"/>
+              </a:rPr>
+              <a:t>:</a:t>
+            </a:r>
+          </a:p>
+          <a:p>
+            <a:r>
+              <a:rPr lang="en-US" sz="3000" dirty="0">
+                <a:latin typeface="Courier" pitchFamily="2" charset="0"/>
+              </a:rPr>
+              <a:t>         </a:t>
+            </a:r>
+            <a:r>
+              <a:rPr lang="en-US" sz="3000" dirty="0">
+                <a:solidFill>
+                  <a:srgbClr val="92D050"/>
+                </a:solidFill>
+                <a:latin typeface="Courier" pitchFamily="2" charset="0"/>
+              </a:rPr>
+              <a:t>print</a:t>
+            </a:r>
+            <a:r>
+              <a:rPr lang="en-US" sz="3000" dirty="0">
+                <a:latin typeface="Courier" pitchFamily="2" charset="0"/>
+              </a:rPr>
+              <a:t>(</a:t>
+            </a:r>
+            <a:r>
+              <a:rPr lang="en-US" sz="3000" dirty="0">
+                <a:solidFill>
+                  <a:srgbClr val="FF0000"/>
+                </a:solidFill>
+                <a:latin typeface="Courier" pitchFamily="2" charset="0"/>
+              </a:rPr>
+              <a:t>"odd"</a:t>
+            </a:r>
+            <a:r>
+              <a:rPr lang="en-US" sz="3000" dirty="0">
+                <a:latin typeface="Courier" pitchFamily="2" charset="0"/>
+              </a:rPr>
+              <a:t>)</a:t>
+            </a:r>
+          </a:p>
+        </p:txBody>
+      </p:sp>
+      <p:sp>
+        <p:nvSpPr>
+          <p:cNvPr id="3" name="TextBox 2">
+            <a:extLst>
+              <a:ext uri="{FF2B5EF4-FFF2-40B4-BE49-F238E27FC236}">
+                <a16:creationId xmlns:a16="http://schemas.microsoft.com/office/drawing/2014/main" id="{0B61844B-B9C2-C147-8A6D-C0741F404EFF}"/>
+              </a:ext>
+            </a:extLst>
+          </p:cNvPr>
+          <p:cNvSpPr txBox="1"/>
+          <p:nvPr/>
+        </p:nvSpPr>
+        <p:spPr>
+          <a:xfrm>
+            <a:off x="3128745" y="222739"/>
+            <a:ext cx="6375463" cy="584775"/>
+          </a:xfrm>
+          <a:prstGeom prst="rect">
+            <a:avLst/>
+          </a:prstGeom>
+          <a:noFill/>
+        </p:spPr>
+        <p:txBody>
+          <a:bodyPr wrap="none" rtlCol="0">
+            <a:spAutoFit/>
+          </a:bodyPr>
+          <a:lstStyle/>
+          <a:p>
+            <a:r>
+              <a:rPr lang="en-US" sz="3200" b="1" dirty="0">
+                <a:latin typeface="HELVETICA LIGHT" panose="020B0403020202020204" pitchFamily="34" charset="0"/>
+              </a:rPr>
+              <a:t>Incrementing during loop iteration</a:t>
+            </a:r>
+          </a:p>
+        </p:txBody>
+      </p:sp>
+    </p:spTree>
+    <p:extLst>
+      <p:ext uri="{BB962C8B-B14F-4D97-AF65-F5344CB8AC3E}">
+        <p14:creationId xmlns:p14="http://schemas.microsoft.com/office/powerpoint/2010/main" val="3806872956"/>
       </p:ext>
     </p:extLst>
   </p:cSld>
@@ -8319,7 +9027,7 @@
                 <a:latin typeface="Courier New" panose="02070309020205020404" pitchFamily="49" charset="0"/>
                 <a:cs typeface="Courier New" panose="02070309020205020404" pitchFamily="49" charset="0"/>
               </a:rPr>
-              <a:t> = (</a:t>
+              <a:t> = [</a:t>
             </a:r>
             <a:r>
               <a:rPr lang="en-US" sz="2400" b="1" dirty="0">
@@ -8452,6 +9160,43 @@
                 <a:latin typeface="Courier New" panose="02070309020205020404" pitchFamily="49" charset="0"/>
                 <a:cs typeface="Courier New" panose="02070309020205020404" pitchFamily="49" charset="0"/>
               </a:rPr>
+              <a:t>’</a:t>
+            </a:r>
+            <a:r>
+              <a:rPr lang="en-US" sz="2200" b="1" dirty="0">
+                <a:latin typeface="Courier New" panose="02070309020205020404" pitchFamily="49" charset="0"/>
+                <a:cs typeface="Courier New" panose="02070309020205020404" pitchFamily="49" charset="0"/>
+              </a:rPr>
+              <a:t>]</a:t>
+            </a:r>
+          </a:p>
+          <a:p>
+            <a:r>
+              <a:rPr lang="en-US" sz="2200" b="1" dirty="0">
+                <a:latin typeface="Courier New" panose="02070309020205020404" pitchFamily="49" charset="0"/>
+                <a:cs typeface="Courier New" panose="02070309020205020404" pitchFamily="49" charset="0"/>
+              </a:rPr>
+              <a:t>	</a:t>
+            </a:r>
+            <a:r>
+              <a:rPr lang="en-US" sz="2200" b="1" dirty="0" err="1">
+                <a:latin typeface="Courier New" panose="02070309020205020404" pitchFamily="49" charset="0"/>
+                <a:cs typeface="Courier New" panose="02070309020205020404" pitchFamily="49" charset="0"/>
+              </a:rPr>
+              <a:t>NumList</a:t>
+            </a:r>
+            <a:r>
+              <a:rPr lang="en-US" sz="2200" b="1" dirty="0">
+                <a:latin typeface="Courier New" panose="02070309020205020404" pitchFamily="49" charset="0"/>
+                <a:cs typeface="Courier New" panose="02070309020205020404" pitchFamily="49" charset="0"/>
+              </a:rPr>
+              <a:t> = [</a:t>
+            </a:r>
+            <a:r>
+              <a:rPr lang="en-US" sz="2400" b="1" dirty="0">
+                <a:latin typeface="Courier New" panose="02070309020205020404" pitchFamily="49" charset="0"/>
+                <a:cs typeface="Courier New" panose="02070309020205020404" pitchFamily="49" charset="0"/>
+              </a:rPr>
               <a:t>'</a:t>
             </a:r>
             <a:r>
@@ -8459,30 +9204,35 @@
                 <a:latin typeface="Courier New" panose="02070309020205020404" pitchFamily="49" charset="0"/>
                 <a:cs typeface="Courier New" panose="02070309020205020404" pitchFamily="49" charset="0"/>
               </a:rPr>
-              <a:t> )</a:t>
-            </a:r>
-          </a:p>
-          <a:p>
+              <a:t>9</a:t>
+            </a:r>
+            <a:r>
+              <a:rPr lang="en-US" sz="2400" b="1" dirty="0">
+                <a:latin typeface="Courier New" panose="02070309020205020404" pitchFamily="49" charset="0"/>
+                <a:cs typeface="Courier New" panose="02070309020205020404" pitchFamily="49" charset="0"/>
+              </a:rPr>
+              <a:t>'</a:t>
+            </a:r>
             <a:r>
               <a:rPr lang="en-US" sz="2200" b="1" dirty="0">
                 <a:latin typeface="Courier New" panose="02070309020205020404" pitchFamily="49" charset="0"/>
                 <a:cs typeface="Courier New" panose="02070309020205020404" pitchFamily="49" charset="0"/>
               </a:rPr>
-              <a:t>	</a:t>
-            </a:r>
-            <a:r>
-              <a:rPr lang="en-US" sz="2200" b="1" dirty="0" err="1">
-                <a:latin typeface="Courier New" panose="02070309020205020404" pitchFamily="49" charset="0"/>
-                <a:cs typeface="Courier New" panose="02070309020205020404" pitchFamily="49" charset="0"/>
-              </a:rPr>
-              <a:t>NumList</a:t>
+              <a:t>, </a:t>
+            </a:r>
+            <a:r>
+              <a:rPr lang="en-US" sz="2400" b="1" dirty="0">
+                <a:latin typeface="Courier New" panose="02070309020205020404" pitchFamily="49" charset="0"/>
+                <a:cs typeface="Courier New" panose="02070309020205020404" pitchFamily="49" charset="0"/>
+              </a:rPr>
+              <a:t>'</a:t>
             </a:r>
             <a:r>
               <a:rPr lang="en-US" sz="2200" b="1" dirty="0">
                 <a:latin typeface="Courier New" panose="02070309020205020404" pitchFamily="49" charset="0"/>
                 <a:cs typeface="Courier New" panose="02070309020205020404" pitchFamily="49" charset="0"/>
               </a:rPr>
-              <a:t> = (</a:t>
+              <a:t>83</a:t>
             </a:r>
             <a:r>
               <a:rPr lang="en-US" sz="2400" b="1" dirty="0">
@@ -8496,7 +9246,7 @@
                 <a:latin typeface="Courier New" panose="02070309020205020404" pitchFamily="49" charset="0"/>
                 <a:cs typeface="Courier New" panose="02070309020205020404" pitchFamily="49" charset="0"/>
               </a:rPr>
-              <a:t>9</a:t>
+              <a:t>, </a:t>
             </a:r>
             <a:r>
               <a:rPr lang="en-US" sz="2400" b="1" dirty="0">
@@ -8510,6 +9260,20 @@
                 <a:latin typeface="Courier New" panose="02070309020205020404" pitchFamily="49" charset="0"/>
                 <a:cs typeface="Courier New" panose="02070309020205020404" pitchFamily="49" charset="0"/>
               </a:rPr>
+              <a:t>85</a:t>
+            </a:r>
+            <a:r>
+              <a:rPr lang="en-US" sz="2400" b="1" dirty="0">
+                <a:latin typeface="Courier New" panose="02070309020205020404" pitchFamily="49" charset="0"/>
+                <a:cs typeface="Courier New" panose="02070309020205020404" pitchFamily="49" charset="0"/>
+              </a:rPr>
+              <a:t>'</a:t>
+            </a:r>
+            <a:r>
+              <a:rPr lang="en-US" sz="2200" b="1" dirty="0">
+                <a:latin typeface="Courier New" panose="02070309020205020404" pitchFamily="49" charset="0"/>
+                <a:cs typeface="Courier New" panose="02070309020205020404" pitchFamily="49" charset="0"/>
+              </a:rPr>
               <a:t>, </a:t>
             </a:r>
             <a:r>
@@ -8524,7 +9288,7 @@
                 <a:latin typeface="Courier New" panose="02070309020205020404" pitchFamily="49" charset="0"/>
                 <a:cs typeface="Courier New" panose="02070309020205020404" pitchFamily="49" charset="0"/>
               </a:rPr>
-              <a:t>83</a:t>
+              <a:t>11</a:t>
             </a:r>
             <a:r>
               <a:rPr lang="en-US" sz="2400" b="1" dirty="0">
@@ -8552,77 +9316,21 @@
                 <a:latin typeface="Courier New" panose="02070309020205020404" pitchFamily="49" charset="0"/>
                 <a:cs typeface="Courier New" panose="02070309020205020404" pitchFamily="49" charset="0"/>
               </a:rPr>
-              <a:t>85</a:t>
+              <a:t>52</a:t>
             </a:r>
             <a:r>
               <a:rPr lang="en-US" sz="2400" b="1" dirty="0">
                 <a:latin typeface="Courier New" panose="02070309020205020404" pitchFamily="49" charset="0"/>
                 <a:cs typeface="Courier New" panose="02070309020205020404" pitchFamily="49" charset="0"/>
               </a:rPr>
-              <a:t>'</a:t>
+              <a:t>’</a:t>
             </a:r>
             <a:r>
               <a:rPr lang="en-US" sz="2200" b="1" dirty="0">
                 <a:latin typeface="Courier New" panose="02070309020205020404" pitchFamily="49" charset="0"/>
                 <a:cs typeface="Courier New" panose="02070309020205020404" pitchFamily="49" charset="0"/>
               </a:rPr>
-              <a:t>, </a:t>
-            </a:r>
-            <a:r>
-              <a:rPr lang="en-US" sz="2400" b="1" dirty="0">
-                <a:latin typeface="Courier New" panose="02070309020205020404" pitchFamily="49" charset="0"/>
-                <a:cs typeface="Courier New" panose="02070309020205020404" pitchFamily="49" charset="0"/>
-              </a:rPr>
-              <a:t>'</a:t>
-            </a:r>
-            <a:r>
-              <a:rPr lang="en-US" sz="2200" b="1" dirty="0">
-                <a:latin typeface="Courier New" panose="02070309020205020404" pitchFamily="49" charset="0"/>
-                <a:cs typeface="Courier New" panose="02070309020205020404" pitchFamily="49" charset="0"/>
-              </a:rPr>
-              <a:t>11</a:t>
-            </a:r>
-            <a:r>
-              <a:rPr lang="en-US" sz="2400" b="1" dirty="0">
-                <a:latin typeface="Courier New" panose="02070309020205020404" pitchFamily="49" charset="0"/>
-                <a:cs typeface="Courier New" panose="02070309020205020404" pitchFamily="49" charset="0"/>
-              </a:rPr>
-              <a:t>'</a:t>
-            </a:r>
-            <a:r>
-              <a:rPr lang="en-US" sz="2200" b="1" dirty="0">
-                <a:latin typeface="Courier New" panose="02070309020205020404" pitchFamily="49" charset="0"/>
-                <a:cs typeface="Courier New" panose="02070309020205020404" pitchFamily="49" charset="0"/>
-              </a:rPr>
-              <a:t>, </a:t>
-            </a:r>
-            <a:r>
-              <a:rPr lang="en-US" sz="2400" b="1" dirty="0">
-                <a:latin typeface="Courier New" panose="02070309020205020404" pitchFamily="49" charset="0"/>
-                <a:cs typeface="Courier New" panose="02070309020205020404" pitchFamily="49" charset="0"/>
-              </a:rPr>
-              <a:t>'</a:t>
-            </a:r>
-            <a:r>
-              <a:rPr lang="en-US" sz="2200" b="1" dirty="0">
-                <a:latin typeface="Courier New" panose="02070309020205020404" pitchFamily="49" charset="0"/>
-                <a:cs typeface="Courier New" panose="02070309020205020404" pitchFamily="49" charset="0"/>
-              </a:rPr>
-              <a:t>52</a:t>
-            </a:r>
-            <a:r>
-              <a:rPr lang="en-US" sz="2400" b="1" dirty="0">
-                <a:latin typeface="Courier New" panose="02070309020205020404" pitchFamily="49" charset="0"/>
-                <a:cs typeface="Courier New" panose="02070309020205020404" pitchFamily="49" charset="0"/>
-              </a:rPr>
-              <a:t>'</a:t>
-            </a:r>
-            <a:r>
-              <a:rPr lang="en-US" sz="2200" b="1" dirty="0">
-                <a:latin typeface="Courier New" panose="02070309020205020404" pitchFamily="49" charset="0"/>
-                <a:cs typeface="Courier New" panose="02070309020205020404" pitchFamily="49" charset="0"/>
-              </a:rPr>
-              <a:t> )</a:t>
+              <a:t>]</a:t>
             </a:r>
           </a:p>
         </p:txBody>
@@ -8659,7 +9367,7 @@
               <a:rPr lang="en-US" sz="2400" dirty="0">
                 <a:latin typeface="Helvetica Light" panose="020B0403020202020204" pitchFamily="34" charset="0"/>
               </a:rPr>
-              <a:t>Arrays are ordered, with 0 as first element</a:t>
+              <a:t>Lists are ordered, with 0 as first element</a:t>
             </a:r>
           </a:p>
           <a:p>
@@ -8772,7 +9480,7 @@
         <p:spPr>
           <a:xfrm>
             <a:off x="898215" y="4328095"/>
-            <a:ext cx="8704627" cy="800219"/>
+            <a:ext cx="8379217" cy="800219"/>
           </a:xfrm>
           <a:prstGeom prst="rect">
             <a:avLst/>
@@ -8789,7 +9497,7 @@
               <a:rPr lang="en-US" sz="2400" dirty="0">
                 <a:latin typeface="Helvetica Light" panose="020B0403020202020204" pitchFamily="34" charset="0"/>
               </a:rPr>
-              <a:t>Multidimensional arrays (e.g., rows of columns, or a 2-d array)</a:t>
+              <a:t>Multidimensional lists (e.g., rows of columns, or a 2-d array)</a:t>
             </a:r>
           </a:p>
           <a:p>
@@ -10149,7 +10857,7 @@
                 <a:latin typeface="Courier New" panose="02070309020205020404" pitchFamily="49" charset="0"/>
                 <a:cs typeface="Courier New" panose="02070309020205020404" pitchFamily="49" charset="0"/>
               </a:rPr>
-              <a:t>	List = ('a', 'b', 'c', 'd', 'e')</a:t>
+              <a:t>	List = ['a', 'b', 'c', 'd', 'e’]</a:t>
             </a:r>
           </a:p>
           <a:p>
@@ -11212,7 +11920,7 @@
                 <a:latin typeface="Courier New" panose="02070309020205020404" pitchFamily="49" charset="0"/>
                 <a:cs typeface="Courier New" panose="02070309020205020404" pitchFamily="49" charset="0"/>
               </a:rPr>
-              <a:t>	List = ('a', 'b', 'c', 'd', 'e')</a:t>
+              <a:t>	List = ['a', 'b', 'c', 'd', 'e’]</a:t>
             </a:r>
           </a:p>
           <a:p>

--- a/week7_pythonII/week7_python_chap9.pptx
+++ b/week7_pythonII/week7_python_chap9.pptx
@@ -4958,7 +4958,7 @@
                 <a:latin typeface="Courier New" panose="02070309020205020404" pitchFamily="49" charset="0"/>
                 <a:cs typeface="Courier New" panose="02070309020205020404" pitchFamily="49" charset="0"/>
               </a:rPr>
-              <a:t>if Num &gt; 0:</a:t>
+              <a:t>if Num &lt; 0:</a:t>
             </a:r>
           </a:p>
           <a:p>
@@ -5816,7 +5816,22 @@
                 <a:latin typeface="Courier New" panose="02070309020205020404" pitchFamily="49" charset="0"/>
                 <a:cs typeface="Courier New" panose="02070309020205020404" pitchFamily="49" charset="0"/>
               </a:rPr>
-              <a:t>	print("less than 10 bases")</a:t>
+              <a:t>	print(”</a:t>
+            </a:r>
+            <a:r>
+              <a:rPr lang="en-US" sz="2800" b="1" dirty="0">
+                <a:latin typeface="Courier New" panose="02070309020205020404" pitchFamily="49" charset="0"/>
+                <a:cs typeface="Courier New" panose="02070309020205020404" pitchFamily="49" charset="0"/>
+              </a:rPr>
+              <a:t>not equal to </a:t>
+            </a:r>
+            <a:r>
+              <a:rPr lang="en-US" sz="2800" b="1" dirty="0">
+                <a:effectLst/>
+                <a:latin typeface="Courier New" panose="02070309020205020404" pitchFamily="49" charset="0"/>
+                <a:cs typeface="Courier New" panose="02070309020205020404" pitchFamily="49" charset="0"/>
+              </a:rPr>
+              <a:t>10 bases")</a:t>
             </a:r>
           </a:p>
           <a:p>
@@ -5841,7 +5856,23 @@
                 <a:latin typeface="Courier New" panose="02070309020205020404" pitchFamily="49" charset="0"/>
                 <a:cs typeface="Courier New" panose="02070309020205020404" pitchFamily="49" charset="0"/>
               </a:rPr>
-              <a:t>	print("longer than 10 bases")</a:t>
+              <a:t>	</a:t>
+            </a:r>
+            <a:r>
+              <a:rPr lang="en-US" sz="2800" b="1">
+                <a:effectLst/>
+                <a:latin typeface="Courier New" panose="02070309020205020404" pitchFamily="49" charset="0"/>
+                <a:cs typeface="Courier New" panose="02070309020205020404" pitchFamily="49" charset="0"/>
+              </a:rPr>
+              <a:t>print(”equals 10 </a:t>
+            </a:r>
+            <a:r>
+              <a:rPr lang="en-US" sz="2800" b="1" dirty="0">
+                <a:effectLst/>
+                <a:latin typeface="Courier New" panose="02070309020205020404" pitchFamily="49" charset="0"/>
+                <a:cs typeface="Courier New" panose="02070309020205020404" pitchFamily="49" charset="0"/>
+              </a:rPr>
+              <a:t>bases")</a:t>
             </a:r>
           </a:p>
         </p:txBody>
